--- a/[LFP] Proyecto 1/Manual Técnico.pptx
+++ b/[LFP] Proyecto 1/Manual Técnico.pptx
@@ -179,7 +179,7 @@
           <a:noFill/>
           <a:extLst>
             <a:ext uri="{909E8E84-426E-40dd-AFC4-6F175D3DCCD1}">
-              <a14:hiddenFill xmlns="" xmlns:a14="http://schemas.microsoft.com/office/drawing/2010/main">
+              <a14:hiddenFill xmlns:a14="http://schemas.microsoft.com/office/drawing/2010/main" xmlns="">
                 <a:solidFill>
                   <a:srgbClr val="FFFFFF"/>
                 </a:solidFill>
@@ -239,7 +239,7 @@
             </a:ln>
             <a:extLst>
               <a:ext uri="{91240B29-F687-4f45-9708-019B960494DF}">
-                <a14:hiddenLine xmlns="" xmlns:a14="http://schemas.microsoft.com/office/drawing/2010/main" w="9525">
+                <a14:hiddenLine xmlns:a14="http://schemas.microsoft.com/office/drawing/2010/main" xmlns="" w="9525">
                   <a:solidFill>
                     <a:srgbClr val="000000"/>
                   </a:solidFill>
@@ -329,7 +329,7 @@
             </a:ln>
             <a:extLst>
               <a:ext uri="{91240B29-F687-4f45-9708-019B960494DF}">
-                <a14:hiddenLine xmlns="" xmlns:a14="http://schemas.microsoft.com/office/drawing/2010/main" w="9525">
+                <a14:hiddenLine xmlns:a14="http://schemas.microsoft.com/office/drawing/2010/main" xmlns="" w="9525">
                   <a:solidFill>
                     <a:srgbClr val="000000"/>
                   </a:solidFill>
@@ -419,7 +419,7 @@
             </a:ln>
             <a:extLst>
               <a:ext uri="{91240B29-F687-4f45-9708-019B960494DF}">
-                <a14:hiddenLine xmlns="" xmlns:a14="http://schemas.microsoft.com/office/drawing/2010/main" w="9525">
+                <a14:hiddenLine xmlns:a14="http://schemas.microsoft.com/office/drawing/2010/main" xmlns="" w="9525">
                   <a:solidFill>
                     <a:srgbClr val="000000"/>
                   </a:solidFill>
@@ -453,7 +453,7 @@
             </a:ln>
             <a:extLst>
               <a:ext uri="{91240B29-F687-4f45-9708-019B960494DF}">
-                <a14:hiddenLine xmlns="" xmlns:a14="http://schemas.microsoft.com/office/drawing/2010/main" w="9525">
+                <a14:hiddenLine xmlns:a14="http://schemas.microsoft.com/office/drawing/2010/main" xmlns="" w="9525">
                   <a:solidFill>
                     <a:srgbClr val="000000"/>
                   </a:solidFill>
@@ -543,7 +543,7 @@
             </a:ln>
             <a:extLst>
               <a:ext uri="{91240B29-F687-4f45-9708-019B960494DF}">
-                <a14:hiddenLine xmlns="" xmlns:a14="http://schemas.microsoft.com/office/drawing/2010/main" w="9525">
+                <a14:hiddenLine xmlns:a14="http://schemas.microsoft.com/office/drawing/2010/main" xmlns="" w="9525">
                   <a:solidFill>
                     <a:srgbClr val="000000"/>
                   </a:solidFill>
@@ -605,7 +605,7 @@
             </a:ln>
             <a:extLst>
               <a:ext uri="{91240B29-F687-4f45-9708-019B960494DF}">
-                <a14:hiddenLine xmlns="" xmlns:a14="http://schemas.microsoft.com/office/drawing/2010/main" w="9525">
+                <a14:hiddenLine xmlns:a14="http://schemas.microsoft.com/office/drawing/2010/main" xmlns="" w="9525">
                   <a:solidFill>
                     <a:srgbClr val="000000"/>
                   </a:solidFill>
@@ -667,7 +667,7 @@
             </a:ln>
             <a:extLst>
               <a:ext uri="{91240B29-F687-4f45-9708-019B960494DF}">
-                <a14:hiddenLine xmlns="" xmlns:a14="http://schemas.microsoft.com/office/drawing/2010/main" w="9525">
+                <a14:hiddenLine xmlns:a14="http://schemas.microsoft.com/office/drawing/2010/main" xmlns="" w="9525">
                   <a:solidFill>
                     <a:srgbClr val="000000"/>
                   </a:solidFill>
@@ -757,7 +757,7 @@
             </a:ln>
             <a:extLst>
               <a:ext uri="{91240B29-F687-4f45-9708-019B960494DF}">
-                <a14:hiddenLine xmlns="" xmlns:a14="http://schemas.microsoft.com/office/drawing/2010/main" w="9525">
+                <a14:hiddenLine xmlns:a14="http://schemas.microsoft.com/office/drawing/2010/main" xmlns="" w="9525">
                   <a:solidFill>
                     <a:srgbClr val="000000"/>
                   </a:solidFill>
@@ -819,7 +819,7 @@
             </a:ln>
             <a:extLst>
               <a:ext uri="{91240B29-F687-4f45-9708-019B960494DF}">
-                <a14:hiddenLine xmlns="" xmlns:a14="http://schemas.microsoft.com/office/drawing/2010/main" w="9525">
+                <a14:hiddenLine xmlns:a14="http://schemas.microsoft.com/office/drawing/2010/main" xmlns="" w="9525">
                   <a:solidFill>
                     <a:srgbClr val="000000"/>
                   </a:solidFill>
@@ -881,7 +881,7 @@
             </a:ln>
             <a:extLst>
               <a:ext uri="{91240B29-F687-4f45-9708-019B960494DF}">
-                <a14:hiddenLine xmlns="" xmlns:a14="http://schemas.microsoft.com/office/drawing/2010/main" w="9525">
+                <a14:hiddenLine xmlns:a14="http://schemas.microsoft.com/office/drawing/2010/main" xmlns="" w="9525">
                   <a:solidFill>
                     <a:srgbClr val="000000"/>
                   </a:solidFill>
@@ -971,7 +971,7 @@
             </a:ln>
             <a:extLst>
               <a:ext uri="{91240B29-F687-4f45-9708-019B960494DF}">
-                <a14:hiddenLine xmlns="" xmlns:a14="http://schemas.microsoft.com/office/drawing/2010/main" w="9525">
+                <a14:hiddenLine xmlns:a14="http://schemas.microsoft.com/office/drawing/2010/main" xmlns="" w="9525">
                   <a:solidFill>
                     <a:srgbClr val="000000"/>
                   </a:solidFill>
@@ -1061,7 +1061,7 @@
             </a:ln>
             <a:extLst>
               <a:ext uri="{91240B29-F687-4f45-9708-019B960494DF}">
-                <a14:hiddenLine xmlns="" xmlns:a14="http://schemas.microsoft.com/office/drawing/2010/main" w="9525">
+                <a14:hiddenLine xmlns:a14="http://schemas.microsoft.com/office/drawing/2010/main" xmlns="" w="9525">
                   <a:solidFill>
                     <a:srgbClr val="000000"/>
                   </a:solidFill>
@@ -1123,7 +1123,7 @@
             </a:ln>
             <a:extLst>
               <a:ext uri="{91240B29-F687-4f45-9708-019B960494DF}">
-                <a14:hiddenLine xmlns="" xmlns:a14="http://schemas.microsoft.com/office/drawing/2010/main" w="9525">
+                <a14:hiddenLine xmlns:a14="http://schemas.microsoft.com/office/drawing/2010/main" xmlns="" w="9525">
                   <a:solidFill>
                     <a:srgbClr val="000000"/>
                   </a:solidFill>
@@ -1233,7 +1233,7 @@
             </a:ln>
             <a:extLst>
               <a:ext uri="{91240B29-F687-4f45-9708-019B960494DF}">
-                <a14:hiddenLine xmlns="" xmlns:a14="http://schemas.microsoft.com/office/drawing/2010/main" w="9525">
+                <a14:hiddenLine xmlns:a14="http://schemas.microsoft.com/office/drawing/2010/main" xmlns="" w="9525">
                   <a:solidFill>
                     <a:srgbClr val="000000"/>
                   </a:solidFill>
@@ -1295,7 +1295,7 @@
             </a:ln>
             <a:extLst>
               <a:ext uri="{91240B29-F687-4f45-9708-019B960494DF}">
-                <a14:hiddenLine xmlns="" xmlns:a14="http://schemas.microsoft.com/office/drawing/2010/main" w="9525">
+                <a14:hiddenLine xmlns:a14="http://schemas.microsoft.com/office/drawing/2010/main" xmlns="" w="9525">
                   <a:solidFill>
                     <a:srgbClr val="000000"/>
                   </a:solidFill>
@@ -1385,7 +1385,7 @@
             </a:ln>
             <a:extLst>
               <a:ext uri="{91240B29-F687-4f45-9708-019B960494DF}">
-                <a14:hiddenLine xmlns="" xmlns:a14="http://schemas.microsoft.com/office/drawing/2010/main" w="9525">
+                <a14:hiddenLine xmlns:a14="http://schemas.microsoft.com/office/drawing/2010/main" xmlns="" w="9525">
                   <a:solidFill>
                     <a:srgbClr val="000000"/>
                   </a:solidFill>
@@ -1475,7 +1475,7 @@
             </a:ln>
             <a:extLst>
               <a:ext uri="{91240B29-F687-4f45-9708-019B960494DF}">
-                <a14:hiddenLine xmlns="" xmlns:a14="http://schemas.microsoft.com/office/drawing/2010/main" w="9525">
+                <a14:hiddenLine xmlns:a14="http://schemas.microsoft.com/office/drawing/2010/main" xmlns="" w="9525">
                   <a:solidFill>
                     <a:srgbClr val="000000"/>
                   </a:solidFill>
@@ -1537,7 +1537,7 @@
             </a:ln>
             <a:extLst>
               <a:ext uri="{91240B29-F687-4f45-9708-019B960494DF}">
-                <a14:hiddenLine xmlns="" xmlns:a14="http://schemas.microsoft.com/office/drawing/2010/main" w="9525">
+                <a14:hiddenLine xmlns:a14="http://schemas.microsoft.com/office/drawing/2010/main" xmlns="" w="9525">
                   <a:solidFill>
                     <a:srgbClr val="000000"/>
                   </a:solidFill>
@@ -1627,7 +1627,7 @@
             </a:ln>
             <a:extLst>
               <a:ext uri="{91240B29-F687-4f45-9708-019B960494DF}">
-                <a14:hiddenLine xmlns="" xmlns:a14="http://schemas.microsoft.com/office/drawing/2010/main" w="9525">
+                <a14:hiddenLine xmlns:a14="http://schemas.microsoft.com/office/drawing/2010/main" xmlns="" w="9525">
                   <a:solidFill>
                     <a:srgbClr val="000000"/>
                   </a:solidFill>
@@ -1717,7 +1717,7 @@
             </a:ln>
             <a:extLst>
               <a:ext uri="{91240B29-F687-4f45-9708-019B960494DF}">
-                <a14:hiddenLine xmlns="" xmlns:a14="http://schemas.microsoft.com/office/drawing/2010/main" w="9525">
+                <a14:hiddenLine xmlns:a14="http://schemas.microsoft.com/office/drawing/2010/main" xmlns="" w="9525">
                   <a:solidFill>
                     <a:srgbClr val="000000"/>
                   </a:solidFill>
@@ -1773,7 +1773,7 @@
             </a:ln>
             <a:extLst>
               <a:ext uri="{91240B29-F687-4f45-9708-019B960494DF}">
-                <a14:hiddenLine xmlns="" xmlns:a14="http://schemas.microsoft.com/office/drawing/2010/main" w="9525">
+                <a14:hiddenLine xmlns:a14="http://schemas.microsoft.com/office/drawing/2010/main" xmlns="" w="9525">
                   <a:solidFill>
                     <a:srgbClr val="000000"/>
                   </a:solidFill>
@@ -1863,7 +1863,7 @@
             </a:ln>
             <a:extLst>
               <a:ext uri="{91240B29-F687-4f45-9708-019B960494DF}">
-                <a14:hiddenLine xmlns="" xmlns:a14="http://schemas.microsoft.com/office/drawing/2010/main" w="9525">
+                <a14:hiddenLine xmlns:a14="http://schemas.microsoft.com/office/drawing/2010/main" xmlns="" w="9525">
                   <a:solidFill>
                     <a:srgbClr val="000000"/>
                   </a:solidFill>
@@ -1919,7 +1919,7 @@
             </a:ln>
             <a:extLst>
               <a:ext uri="{91240B29-F687-4f45-9708-019B960494DF}">
-                <a14:hiddenLine xmlns="" xmlns:a14="http://schemas.microsoft.com/office/drawing/2010/main" w="9525">
+                <a14:hiddenLine xmlns:a14="http://schemas.microsoft.com/office/drawing/2010/main" xmlns="" w="9525">
                   <a:solidFill>
                     <a:srgbClr val="000000"/>
                   </a:solidFill>
@@ -2009,7 +2009,7 @@
             </a:ln>
             <a:extLst>
               <a:ext uri="{91240B29-F687-4f45-9708-019B960494DF}">
-                <a14:hiddenLine xmlns="" xmlns:a14="http://schemas.microsoft.com/office/drawing/2010/main" w="9525">
+                <a14:hiddenLine xmlns:a14="http://schemas.microsoft.com/office/drawing/2010/main" xmlns="" w="9525">
                   <a:solidFill>
                     <a:srgbClr val="000000"/>
                   </a:solidFill>
@@ -2077,7 +2077,7 @@
             </a:ln>
             <a:extLst>
               <a:ext uri="{91240B29-F687-4f45-9708-019B960494DF}">
-                <a14:hiddenLine xmlns="" xmlns:a14="http://schemas.microsoft.com/office/drawing/2010/main" w="9525">
+                <a14:hiddenLine xmlns:a14="http://schemas.microsoft.com/office/drawing/2010/main" xmlns="" w="9525">
                   <a:solidFill>
                     <a:srgbClr val="000000"/>
                   </a:solidFill>
@@ -2167,7 +2167,7 @@
             </a:ln>
             <a:extLst>
               <a:ext uri="{91240B29-F687-4f45-9708-019B960494DF}">
-                <a14:hiddenLine xmlns="" xmlns:a14="http://schemas.microsoft.com/office/drawing/2010/main" w="9525">
+                <a14:hiddenLine xmlns:a14="http://schemas.microsoft.com/office/drawing/2010/main" xmlns="" w="9525">
                   <a:solidFill>
                     <a:srgbClr val="000000"/>
                   </a:solidFill>
@@ -2235,7 +2235,7 @@
             </a:ln>
             <a:extLst>
               <a:ext uri="{91240B29-F687-4f45-9708-019B960494DF}">
-                <a14:hiddenLine xmlns="" xmlns:a14="http://schemas.microsoft.com/office/drawing/2010/main" w="9525">
+                <a14:hiddenLine xmlns:a14="http://schemas.microsoft.com/office/drawing/2010/main" xmlns="" w="9525">
                   <a:solidFill>
                     <a:srgbClr val="000000"/>
                   </a:solidFill>
@@ -2325,7 +2325,7 @@
             </a:ln>
             <a:extLst>
               <a:ext uri="{91240B29-F687-4f45-9708-019B960494DF}">
-                <a14:hiddenLine xmlns="" xmlns:a14="http://schemas.microsoft.com/office/drawing/2010/main" w="9525">
+                <a14:hiddenLine xmlns:a14="http://schemas.microsoft.com/office/drawing/2010/main" xmlns="" w="9525">
                   <a:solidFill>
                     <a:srgbClr val="000000"/>
                   </a:solidFill>
@@ -2359,7 +2359,7 @@
             </a:ln>
             <a:extLst>
               <a:ext uri="{91240B29-F687-4f45-9708-019B960494DF}">
-                <a14:hiddenLine xmlns="" xmlns:a14="http://schemas.microsoft.com/office/drawing/2010/main" w="9525">
+                <a14:hiddenLine xmlns:a14="http://schemas.microsoft.com/office/drawing/2010/main" xmlns="" w="9525">
                   <a:solidFill>
                     <a:srgbClr val="000000"/>
                   </a:solidFill>
@@ -2449,7 +2449,7 @@
             </a:ln>
             <a:extLst>
               <a:ext uri="{91240B29-F687-4f45-9708-019B960494DF}">
-                <a14:hiddenLine xmlns="" xmlns:a14="http://schemas.microsoft.com/office/drawing/2010/main" w="9525">
+                <a14:hiddenLine xmlns:a14="http://schemas.microsoft.com/office/drawing/2010/main" xmlns="" w="9525">
                   <a:solidFill>
                     <a:srgbClr val="000000"/>
                   </a:solidFill>
@@ -2511,7 +2511,7 @@
             </a:ln>
             <a:extLst>
               <a:ext uri="{91240B29-F687-4f45-9708-019B960494DF}">
-                <a14:hiddenLine xmlns="" xmlns:a14="http://schemas.microsoft.com/office/drawing/2010/main" w="9525">
+                <a14:hiddenLine xmlns:a14="http://schemas.microsoft.com/office/drawing/2010/main" xmlns="" w="9525">
                   <a:solidFill>
                     <a:srgbClr val="000000"/>
                   </a:solidFill>
@@ -2573,7 +2573,7 @@
             </a:ln>
             <a:extLst>
               <a:ext uri="{91240B29-F687-4f45-9708-019B960494DF}">
-                <a14:hiddenLine xmlns="" xmlns:a14="http://schemas.microsoft.com/office/drawing/2010/main" w="9525">
+                <a14:hiddenLine xmlns:a14="http://schemas.microsoft.com/office/drawing/2010/main" xmlns="" w="9525">
                   <a:solidFill>
                     <a:srgbClr val="000000"/>
                   </a:solidFill>
@@ -2663,7 +2663,7 @@
             </a:ln>
             <a:extLst>
               <a:ext uri="{91240B29-F687-4f45-9708-019B960494DF}">
-                <a14:hiddenLine xmlns="" xmlns:a14="http://schemas.microsoft.com/office/drawing/2010/main" w="9525">
+                <a14:hiddenLine xmlns:a14="http://schemas.microsoft.com/office/drawing/2010/main" xmlns="" w="9525">
                   <a:solidFill>
                     <a:srgbClr val="000000"/>
                   </a:solidFill>
@@ -2731,7 +2731,7 @@
             </a:ln>
             <a:extLst>
               <a:ext uri="{91240B29-F687-4f45-9708-019B960494DF}">
-                <a14:hiddenLine xmlns="" xmlns:a14="http://schemas.microsoft.com/office/drawing/2010/main" w="9525">
+                <a14:hiddenLine xmlns:a14="http://schemas.microsoft.com/office/drawing/2010/main" xmlns="" w="9525">
                   <a:solidFill>
                     <a:srgbClr val="000000"/>
                   </a:solidFill>
@@ -2793,7 +2793,7 @@
             </a:ln>
             <a:extLst>
               <a:ext uri="{91240B29-F687-4f45-9708-019B960494DF}">
-                <a14:hiddenLine xmlns="" xmlns:a14="http://schemas.microsoft.com/office/drawing/2010/main" w="9525">
+                <a14:hiddenLine xmlns:a14="http://schemas.microsoft.com/office/drawing/2010/main" xmlns="" w="9525">
                   <a:solidFill>
                     <a:srgbClr val="000000"/>
                   </a:solidFill>
@@ -2883,7 +2883,7 @@
             </a:ln>
             <a:extLst>
               <a:ext uri="{91240B29-F687-4f45-9708-019B960494DF}">
-                <a14:hiddenLine xmlns="" xmlns:a14="http://schemas.microsoft.com/office/drawing/2010/main" w="9525">
+                <a14:hiddenLine xmlns:a14="http://schemas.microsoft.com/office/drawing/2010/main" xmlns="" w="9525">
                   <a:solidFill>
                     <a:srgbClr val="000000"/>
                   </a:solidFill>
@@ -2945,7 +2945,7 @@
             </a:ln>
             <a:extLst>
               <a:ext uri="{91240B29-F687-4f45-9708-019B960494DF}">
-                <a14:hiddenLine xmlns="" xmlns:a14="http://schemas.microsoft.com/office/drawing/2010/main" w="9525">
+                <a14:hiddenLine xmlns:a14="http://schemas.microsoft.com/office/drawing/2010/main" xmlns="" w="9525">
                   <a:solidFill>
                     <a:srgbClr val="000000"/>
                   </a:solidFill>
@@ -3035,7 +3035,7 @@
             </a:ln>
             <a:extLst>
               <a:ext uri="{91240B29-F687-4f45-9708-019B960494DF}">
-                <a14:hiddenLine xmlns="" xmlns:a14="http://schemas.microsoft.com/office/drawing/2010/main" w="9525">
+                <a14:hiddenLine xmlns:a14="http://schemas.microsoft.com/office/drawing/2010/main" xmlns="" w="9525">
                   <a:solidFill>
                     <a:srgbClr val="000000"/>
                   </a:solidFill>
@@ -3097,7 +3097,7 @@
             </a:ln>
             <a:extLst>
               <a:ext uri="{91240B29-F687-4f45-9708-019B960494DF}">
-                <a14:hiddenLine xmlns="" xmlns:a14="http://schemas.microsoft.com/office/drawing/2010/main" w="9525">
+                <a14:hiddenLine xmlns:a14="http://schemas.microsoft.com/office/drawing/2010/main" xmlns="" w="9525">
                   <a:solidFill>
                     <a:srgbClr val="000000"/>
                   </a:solidFill>
@@ -3187,7 +3187,7 @@
             </a:ln>
             <a:extLst>
               <a:ext uri="{91240B29-F687-4f45-9708-019B960494DF}">
-                <a14:hiddenLine xmlns="" xmlns:a14="http://schemas.microsoft.com/office/drawing/2010/main" w="9525">
+                <a14:hiddenLine xmlns:a14="http://schemas.microsoft.com/office/drawing/2010/main" xmlns="" w="9525">
                   <a:solidFill>
                     <a:srgbClr val="000000"/>
                   </a:solidFill>
@@ -3221,7 +3221,7 @@
             </a:ln>
             <a:extLst>
               <a:ext uri="{91240B29-F687-4f45-9708-019B960494DF}">
-                <a14:hiddenLine xmlns="" xmlns:a14="http://schemas.microsoft.com/office/drawing/2010/main" w="9525">
+                <a14:hiddenLine xmlns:a14="http://schemas.microsoft.com/office/drawing/2010/main" xmlns="" w="9525">
                   <a:solidFill>
                     <a:srgbClr val="000000"/>
                   </a:solidFill>
@@ -3286,7 +3286,7 @@
             </a:ln>
             <a:extLst>
               <a:ext uri="{91240B29-F687-4f45-9708-019B960494DF}">
-                <a14:hiddenLine xmlns="" xmlns:a14="http://schemas.microsoft.com/office/drawing/2010/main" w="9525">
+                <a14:hiddenLine xmlns:a14="http://schemas.microsoft.com/office/drawing/2010/main" xmlns="" w="9525">
                   <a:solidFill>
                     <a:srgbClr val="000000"/>
                   </a:solidFill>
@@ -3376,7 +3376,7 @@
             </a:ln>
             <a:extLst>
               <a:ext uri="{91240B29-F687-4f45-9708-019B960494DF}">
-                <a14:hiddenLine xmlns="" xmlns:a14="http://schemas.microsoft.com/office/drawing/2010/main" w="9525">
+                <a14:hiddenLine xmlns:a14="http://schemas.microsoft.com/office/drawing/2010/main" xmlns="" w="9525">
                   <a:solidFill>
                     <a:srgbClr val="000000"/>
                   </a:solidFill>
@@ -3438,7 +3438,7 @@
             </a:ln>
             <a:extLst>
               <a:ext uri="{91240B29-F687-4f45-9708-019B960494DF}">
-                <a14:hiddenLine xmlns="" xmlns:a14="http://schemas.microsoft.com/office/drawing/2010/main" w="9525">
+                <a14:hiddenLine xmlns:a14="http://schemas.microsoft.com/office/drawing/2010/main" xmlns="" w="9525">
                   <a:solidFill>
                     <a:srgbClr val="000000"/>
                   </a:solidFill>
@@ -3528,7 +3528,7 @@
             </a:ln>
             <a:extLst>
               <a:ext uri="{91240B29-F687-4f45-9708-019B960494DF}">
-                <a14:hiddenLine xmlns="" xmlns:a14="http://schemas.microsoft.com/office/drawing/2010/main" w="9525">
+                <a14:hiddenLine xmlns:a14="http://schemas.microsoft.com/office/drawing/2010/main" xmlns="" w="9525">
                   <a:solidFill>
                     <a:srgbClr val="000000"/>
                   </a:solidFill>
@@ -3618,7 +3618,7 @@
             </a:ln>
             <a:extLst>
               <a:ext uri="{91240B29-F687-4f45-9708-019B960494DF}">
-                <a14:hiddenLine xmlns="" xmlns:a14="http://schemas.microsoft.com/office/drawing/2010/main" w="9525">
+                <a14:hiddenLine xmlns:a14="http://schemas.microsoft.com/office/drawing/2010/main" xmlns="" w="9525">
                   <a:solidFill>
                     <a:srgbClr val="000000"/>
                   </a:solidFill>
@@ -3683,7 +3683,7 @@
             </a:ln>
             <a:extLst>
               <a:ext uri="{91240B29-F687-4f45-9708-019B960494DF}">
-                <a14:hiddenLine xmlns="" xmlns:a14="http://schemas.microsoft.com/office/drawing/2010/main" w="9525">
+                <a14:hiddenLine xmlns:a14="http://schemas.microsoft.com/office/drawing/2010/main" xmlns="" w="9525">
                   <a:solidFill>
                     <a:srgbClr val="000000"/>
                   </a:solidFill>
@@ -3745,7 +3745,7 @@
             </a:ln>
             <a:extLst>
               <a:ext uri="{91240B29-F687-4f45-9708-019B960494DF}">
-                <a14:hiddenLine xmlns="" xmlns:a14="http://schemas.microsoft.com/office/drawing/2010/main" w="9525">
+                <a14:hiddenLine xmlns:a14="http://schemas.microsoft.com/office/drawing/2010/main" xmlns="" w="9525">
                   <a:solidFill>
                     <a:srgbClr val="000000"/>
                   </a:solidFill>
@@ -3835,7 +3835,7 @@
             </a:ln>
             <a:extLst>
               <a:ext uri="{91240B29-F687-4f45-9708-019B960494DF}">
-                <a14:hiddenLine xmlns="" xmlns:a14="http://schemas.microsoft.com/office/drawing/2010/main" w="9525">
+                <a14:hiddenLine xmlns:a14="http://schemas.microsoft.com/office/drawing/2010/main" xmlns="" w="9525">
                   <a:solidFill>
                     <a:srgbClr val="000000"/>
                   </a:solidFill>
@@ -3925,7 +3925,7 @@
             </a:ln>
             <a:extLst>
               <a:ext uri="{91240B29-F687-4f45-9708-019B960494DF}">
-                <a14:hiddenLine xmlns="" xmlns:a14="http://schemas.microsoft.com/office/drawing/2010/main" w="9525">
+                <a14:hiddenLine xmlns:a14="http://schemas.microsoft.com/office/drawing/2010/main" xmlns="" w="9525">
                   <a:solidFill>
                     <a:srgbClr val="000000"/>
                   </a:solidFill>
@@ -3987,7 +3987,7 @@
             </a:ln>
             <a:extLst>
               <a:ext uri="{91240B29-F687-4f45-9708-019B960494DF}">
-                <a14:hiddenLine xmlns="" xmlns:a14="http://schemas.microsoft.com/office/drawing/2010/main" w="9525">
+                <a14:hiddenLine xmlns:a14="http://schemas.microsoft.com/office/drawing/2010/main" xmlns="" w="9525">
                   <a:solidFill>
                     <a:srgbClr val="000000"/>
                   </a:solidFill>
@@ -4107,7 +4107,7 @@
             </a:ln>
             <a:extLst>
               <a:ext uri="{91240B29-F687-4f45-9708-019B960494DF}">
-                <a14:hiddenLine xmlns="" xmlns:a14="http://schemas.microsoft.com/office/drawing/2010/main" w="9525">
+                <a14:hiddenLine xmlns:a14="http://schemas.microsoft.com/office/drawing/2010/main" xmlns="" w="9525">
                   <a:solidFill>
                     <a:srgbClr val="000000"/>
                   </a:solidFill>
@@ -4175,7 +4175,7 @@
             </a:ln>
             <a:extLst>
               <a:ext uri="{91240B29-F687-4f45-9708-019B960494DF}">
-                <a14:hiddenLine xmlns="" xmlns:a14="http://schemas.microsoft.com/office/drawing/2010/main" w="9525">
+                <a14:hiddenLine xmlns:a14="http://schemas.microsoft.com/office/drawing/2010/main" xmlns="" w="9525">
                   <a:solidFill>
                     <a:srgbClr val="000000"/>
                   </a:solidFill>
@@ -4265,7 +4265,7 @@
             </a:ln>
             <a:extLst>
               <a:ext uri="{91240B29-F687-4f45-9708-019B960494DF}">
-                <a14:hiddenLine xmlns="" xmlns:a14="http://schemas.microsoft.com/office/drawing/2010/main" w="9525">
+                <a14:hiddenLine xmlns:a14="http://schemas.microsoft.com/office/drawing/2010/main" xmlns="" w="9525">
                   <a:solidFill>
                     <a:srgbClr val="000000"/>
                   </a:solidFill>
@@ -13949,7 +13949,7 @@
           <a:noFill/>
           <a:extLst>
             <a:ext uri="{909E8E84-426E-40dd-AFC4-6F175D3DCCD1}">
-              <a14:hiddenFill xmlns="" xmlns:a14="http://schemas.microsoft.com/office/drawing/2010/main">
+              <a14:hiddenFill xmlns:a14="http://schemas.microsoft.com/office/drawing/2010/main" xmlns="">
                 <a:solidFill>
                   <a:srgbClr val="FFFFFF"/>
                 </a:solidFill>
@@ -14023,7 +14023,7 @@
               </a:ln>
               <a:extLst>
                 <a:ext uri="{91240B29-F687-4f45-9708-019B960494DF}">
-                  <a14:hiddenLine xmlns="" xmlns:a14="http://schemas.microsoft.com/office/drawing/2010/main" w="9525">
+                  <a14:hiddenLine xmlns:a14="http://schemas.microsoft.com/office/drawing/2010/main" xmlns="" w="9525">
                     <a:solidFill>
                       <a:srgbClr val="000000"/>
                     </a:solidFill>
@@ -14113,7 +14113,7 @@
               </a:ln>
               <a:extLst>
                 <a:ext uri="{91240B29-F687-4f45-9708-019B960494DF}">
-                  <a14:hiddenLine xmlns="" xmlns:a14="http://schemas.microsoft.com/office/drawing/2010/main" w="9525">
+                  <a14:hiddenLine xmlns:a14="http://schemas.microsoft.com/office/drawing/2010/main" xmlns="" w="9525">
                     <a:solidFill>
                       <a:srgbClr val="000000"/>
                     </a:solidFill>
@@ -14203,7 +14203,7 @@
               </a:ln>
               <a:extLst>
                 <a:ext uri="{91240B29-F687-4f45-9708-019B960494DF}">
-                  <a14:hiddenLine xmlns="" xmlns:a14="http://schemas.microsoft.com/office/drawing/2010/main" w="9525">
+                  <a14:hiddenLine xmlns:a14="http://schemas.microsoft.com/office/drawing/2010/main" xmlns="" w="9525">
                     <a:solidFill>
                       <a:srgbClr val="000000"/>
                     </a:solidFill>
@@ -14265,7 +14265,7 @@
               </a:ln>
               <a:extLst>
                 <a:ext uri="{91240B29-F687-4f45-9708-019B960494DF}">
-                  <a14:hiddenLine xmlns="" xmlns:a14="http://schemas.microsoft.com/office/drawing/2010/main" w="9525">
+                  <a14:hiddenLine xmlns:a14="http://schemas.microsoft.com/office/drawing/2010/main" xmlns="" w="9525">
                     <a:solidFill>
                       <a:srgbClr val="000000"/>
                     </a:solidFill>
@@ -14355,7 +14355,7 @@
               </a:ln>
               <a:extLst>
                 <a:ext uri="{91240B29-F687-4f45-9708-019B960494DF}">
-                  <a14:hiddenLine xmlns="" xmlns:a14="http://schemas.microsoft.com/office/drawing/2010/main" w="9525">
+                  <a14:hiddenLine xmlns:a14="http://schemas.microsoft.com/office/drawing/2010/main" xmlns="" w="9525">
                     <a:solidFill>
                       <a:srgbClr val="000000"/>
                     </a:solidFill>
@@ -14417,7 +14417,7 @@
               </a:ln>
               <a:extLst>
                 <a:ext uri="{91240B29-F687-4f45-9708-019B960494DF}">
-                  <a14:hiddenLine xmlns="" xmlns:a14="http://schemas.microsoft.com/office/drawing/2010/main" w="9525">
+                  <a14:hiddenLine xmlns:a14="http://schemas.microsoft.com/office/drawing/2010/main" xmlns="" w="9525">
                     <a:solidFill>
                       <a:srgbClr val="000000"/>
                     </a:solidFill>
@@ -14479,7 +14479,7 @@
               </a:ln>
               <a:extLst>
                 <a:ext uri="{91240B29-F687-4f45-9708-019B960494DF}">
-                  <a14:hiddenLine xmlns="" xmlns:a14="http://schemas.microsoft.com/office/drawing/2010/main" w="9525">
+                  <a14:hiddenLine xmlns:a14="http://schemas.microsoft.com/office/drawing/2010/main" xmlns="" w="9525">
                     <a:solidFill>
                       <a:srgbClr val="000000"/>
                     </a:solidFill>
@@ -14569,7 +14569,7 @@
               </a:ln>
               <a:extLst>
                 <a:ext uri="{91240B29-F687-4f45-9708-019B960494DF}">
-                  <a14:hiddenLine xmlns="" xmlns:a14="http://schemas.microsoft.com/office/drawing/2010/main" w="9525">
+                  <a14:hiddenLine xmlns:a14="http://schemas.microsoft.com/office/drawing/2010/main" xmlns="" w="9525">
                     <a:solidFill>
                       <a:srgbClr val="000000"/>
                     </a:solidFill>
@@ -14659,7 +14659,7 @@
               </a:ln>
               <a:extLst>
                 <a:ext uri="{91240B29-F687-4f45-9708-019B960494DF}">
-                  <a14:hiddenLine xmlns="" xmlns:a14="http://schemas.microsoft.com/office/drawing/2010/main" w="9525">
+                  <a14:hiddenLine xmlns:a14="http://schemas.microsoft.com/office/drawing/2010/main" xmlns="" w="9525">
                     <a:solidFill>
                       <a:srgbClr val="000000"/>
                     </a:solidFill>
@@ -14721,7 +14721,7 @@
               </a:ln>
               <a:extLst>
                 <a:ext uri="{91240B29-F687-4f45-9708-019B960494DF}">
-                  <a14:hiddenLine xmlns="" xmlns:a14="http://schemas.microsoft.com/office/drawing/2010/main" w="9525">
+                  <a14:hiddenLine xmlns:a14="http://schemas.microsoft.com/office/drawing/2010/main" xmlns="" w="9525">
                     <a:solidFill>
                       <a:srgbClr val="000000"/>
                     </a:solidFill>
@@ -14831,7 +14831,7 @@
               </a:ln>
               <a:extLst>
                 <a:ext uri="{91240B29-F687-4f45-9708-019B960494DF}">
-                  <a14:hiddenLine xmlns="" xmlns:a14="http://schemas.microsoft.com/office/drawing/2010/main" w="9525">
+                  <a14:hiddenLine xmlns:a14="http://schemas.microsoft.com/office/drawing/2010/main" xmlns="" w="9525">
                     <a:solidFill>
                       <a:srgbClr val="000000"/>
                     </a:solidFill>
@@ -14915,7 +14915,7 @@
               </a:ln>
               <a:extLst>
                 <a:ext uri="{91240B29-F687-4f45-9708-019B960494DF}">
-                  <a14:hiddenLine xmlns="" xmlns:a14="http://schemas.microsoft.com/office/drawing/2010/main" w="9525">
+                  <a14:hiddenLine xmlns:a14="http://schemas.microsoft.com/office/drawing/2010/main" xmlns="" w="9525">
                     <a:solidFill>
                       <a:srgbClr val="000000"/>
                     </a:solidFill>
@@ -14977,7 +14977,7 @@
               </a:ln>
               <a:extLst>
                 <a:ext uri="{91240B29-F687-4f45-9708-019B960494DF}">
-                  <a14:hiddenLine xmlns="" xmlns:a14="http://schemas.microsoft.com/office/drawing/2010/main" w="9525">
+                  <a14:hiddenLine xmlns:a14="http://schemas.microsoft.com/office/drawing/2010/main" xmlns="" w="9525">
                     <a:solidFill>
                       <a:srgbClr val="000000"/>
                     </a:solidFill>
@@ -15039,7 +15039,7 @@
               </a:ln>
               <a:extLst>
                 <a:ext uri="{91240B29-F687-4f45-9708-019B960494DF}">
-                  <a14:hiddenLine xmlns="" xmlns:a14="http://schemas.microsoft.com/office/drawing/2010/main" w="9525">
+                  <a14:hiddenLine xmlns:a14="http://schemas.microsoft.com/office/drawing/2010/main" xmlns="" w="9525">
                     <a:solidFill>
                       <a:srgbClr val="000000"/>
                     </a:solidFill>
@@ -15129,7 +15129,7 @@
               </a:ln>
               <a:extLst>
                 <a:ext uri="{91240B29-F687-4f45-9708-019B960494DF}">
-                  <a14:hiddenLine xmlns="" xmlns:a14="http://schemas.microsoft.com/office/drawing/2010/main" w="9525">
+                  <a14:hiddenLine xmlns:a14="http://schemas.microsoft.com/office/drawing/2010/main" xmlns="" w="9525">
                     <a:solidFill>
                       <a:srgbClr val="000000"/>
                     </a:solidFill>
@@ -15163,7 +15163,7 @@
               </a:ln>
               <a:extLst>
                 <a:ext uri="{91240B29-F687-4f45-9708-019B960494DF}">
-                  <a14:hiddenLine xmlns="" xmlns:a14="http://schemas.microsoft.com/office/drawing/2010/main" w="9525">
+                  <a14:hiddenLine xmlns:a14="http://schemas.microsoft.com/office/drawing/2010/main" xmlns="" w="9525">
                     <a:solidFill>
                       <a:srgbClr val="000000"/>
                     </a:solidFill>
@@ -15228,7 +15228,7 @@
               </a:ln>
               <a:extLst>
                 <a:ext uri="{91240B29-F687-4f45-9708-019B960494DF}">
-                  <a14:hiddenLine xmlns="" xmlns:a14="http://schemas.microsoft.com/office/drawing/2010/main" w="9525">
+                  <a14:hiddenLine xmlns:a14="http://schemas.microsoft.com/office/drawing/2010/main" xmlns="" w="9525">
                     <a:solidFill>
                       <a:srgbClr val="000000"/>
                     </a:solidFill>
@@ -15318,7 +15318,7 @@
               </a:ln>
               <a:extLst>
                 <a:ext uri="{91240B29-F687-4f45-9708-019B960494DF}">
-                  <a14:hiddenLine xmlns="" xmlns:a14="http://schemas.microsoft.com/office/drawing/2010/main" w="9525">
+                  <a14:hiddenLine xmlns:a14="http://schemas.microsoft.com/office/drawing/2010/main" xmlns="" w="9525">
                     <a:solidFill>
                       <a:srgbClr val="000000"/>
                     </a:solidFill>
@@ -15380,7 +15380,7 @@
               </a:ln>
               <a:extLst>
                 <a:ext uri="{91240B29-F687-4f45-9708-019B960494DF}">
-                  <a14:hiddenLine xmlns="" xmlns:a14="http://schemas.microsoft.com/office/drawing/2010/main" w="9525">
+                  <a14:hiddenLine xmlns:a14="http://schemas.microsoft.com/office/drawing/2010/main" xmlns="" w="9525">
                     <a:solidFill>
                       <a:srgbClr val="000000"/>
                     </a:solidFill>
@@ -15470,7 +15470,7 @@
               </a:ln>
               <a:extLst>
                 <a:ext uri="{91240B29-F687-4f45-9708-019B960494DF}">
-                  <a14:hiddenLine xmlns="" xmlns:a14="http://schemas.microsoft.com/office/drawing/2010/main" w="9525">
+                  <a14:hiddenLine xmlns:a14="http://schemas.microsoft.com/office/drawing/2010/main" xmlns="" w="9525">
                     <a:solidFill>
                       <a:srgbClr val="000000"/>
                     </a:solidFill>
@@ -15535,7 +15535,7 @@
               </a:ln>
               <a:extLst>
                 <a:ext uri="{91240B29-F687-4f45-9708-019B960494DF}">
-                  <a14:hiddenLine xmlns="" xmlns:a14="http://schemas.microsoft.com/office/drawing/2010/main" w="9525">
+                  <a14:hiddenLine xmlns:a14="http://schemas.microsoft.com/office/drawing/2010/main" xmlns="" w="9525">
                     <a:solidFill>
                       <a:srgbClr val="000000"/>
                     </a:solidFill>
@@ -15597,7 +15597,7 @@
               </a:ln>
               <a:extLst>
                 <a:ext uri="{91240B29-F687-4f45-9708-019B960494DF}">
-                  <a14:hiddenLine xmlns="" xmlns:a14="http://schemas.microsoft.com/office/drawing/2010/main" w="9525">
+                  <a14:hiddenLine xmlns:a14="http://schemas.microsoft.com/office/drawing/2010/main" xmlns="" w="9525">
                     <a:solidFill>
                       <a:srgbClr val="000000"/>
                     </a:solidFill>
@@ -15687,7 +15687,7 @@
               </a:ln>
               <a:extLst>
                 <a:ext uri="{91240B29-F687-4f45-9708-019B960494DF}">
-                  <a14:hiddenLine xmlns="" xmlns:a14="http://schemas.microsoft.com/office/drawing/2010/main" w="9525">
+                  <a14:hiddenLine xmlns:a14="http://schemas.microsoft.com/office/drawing/2010/main" xmlns="" w="9525">
                     <a:solidFill>
                       <a:srgbClr val="000000"/>
                     </a:solidFill>
@@ -15777,7 +15777,7 @@
               </a:ln>
               <a:extLst>
                 <a:ext uri="{91240B29-F687-4f45-9708-019B960494DF}">
-                  <a14:hiddenLine xmlns="" xmlns:a14="http://schemas.microsoft.com/office/drawing/2010/main" w="9525">
+                  <a14:hiddenLine xmlns:a14="http://schemas.microsoft.com/office/drawing/2010/main" xmlns="" w="9525">
                     <a:solidFill>
                       <a:srgbClr val="000000"/>
                     </a:solidFill>
@@ -15842,7 +15842,7 @@
               </a:ln>
               <a:extLst>
                 <a:ext uri="{91240B29-F687-4f45-9708-019B960494DF}">
-                  <a14:hiddenLine xmlns="" xmlns:a14="http://schemas.microsoft.com/office/drawing/2010/main" w="9525">
+                  <a14:hiddenLine xmlns:a14="http://schemas.microsoft.com/office/drawing/2010/main" xmlns="" w="9525">
                     <a:solidFill>
                       <a:srgbClr val="000000"/>
                     </a:solidFill>
@@ -15962,7 +15962,7 @@
               </a:ln>
               <a:extLst>
                 <a:ext uri="{91240B29-F687-4f45-9708-019B960494DF}">
-                  <a14:hiddenLine xmlns="" xmlns:a14="http://schemas.microsoft.com/office/drawing/2010/main" w="9525">
+                  <a14:hiddenLine xmlns:a14="http://schemas.microsoft.com/office/drawing/2010/main" xmlns="" w="9525">
                     <a:solidFill>
                       <a:srgbClr val="000000"/>
                     </a:solidFill>
@@ -16060,7 +16060,7 @@
               </a:ln>
               <a:extLst>
                 <a:ext uri="{91240B29-F687-4f45-9708-019B960494DF}">
-                  <a14:hiddenLine xmlns="" xmlns:a14="http://schemas.microsoft.com/office/drawing/2010/main" w="9525">
+                  <a14:hiddenLine xmlns:a14="http://schemas.microsoft.com/office/drawing/2010/main" xmlns="" w="9525">
                     <a:solidFill>
                       <a:srgbClr val="000000"/>
                     </a:solidFill>
@@ -16175,7 +16175,7 @@
               </a:ln>
               <a:extLst>
                 <a:ext uri="{91240B29-F687-4f45-9708-019B960494DF}">
-                  <a14:hiddenLine xmlns="" xmlns:a14="http://schemas.microsoft.com/office/drawing/2010/main" w="9525">
+                  <a14:hiddenLine xmlns:a14="http://schemas.microsoft.com/office/drawing/2010/main" xmlns="" w="9525">
                     <a:solidFill>
                       <a:srgbClr val="000000"/>
                     </a:solidFill>
@@ -16265,7 +16265,7 @@
               </a:ln>
               <a:extLst>
                 <a:ext uri="{91240B29-F687-4f45-9708-019B960494DF}">
-                  <a14:hiddenLine xmlns="" xmlns:a14="http://schemas.microsoft.com/office/drawing/2010/main" w="9525">
+                  <a14:hiddenLine xmlns:a14="http://schemas.microsoft.com/office/drawing/2010/main" xmlns="" w="9525">
                     <a:solidFill>
                       <a:srgbClr val="000000"/>
                     </a:solidFill>
@@ -16330,7 +16330,7 @@
               </a:ln>
               <a:extLst>
                 <a:ext uri="{91240B29-F687-4f45-9708-019B960494DF}">
-                  <a14:hiddenLine xmlns="" xmlns:a14="http://schemas.microsoft.com/office/drawing/2010/main" w="9525">
+                  <a14:hiddenLine xmlns:a14="http://schemas.microsoft.com/office/drawing/2010/main" xmlns="" w="9525">
                     <a:solidFill>
                       <a:srgbClr val="000000"/>
                     </a:solidFill>
@@ -16420,7 +16420,7 @@
               </a:ln>
               <a:extLst>
                 <a:ext uri="{91240B29-F687-4f45-9708-019B960494DF}">
-                  <a14:hiddenLine xmlns="" xmlns:a14="http://schemas.microsoft.com/office/drawing/2010/main" w="9525">
+                  <a14:hiddenLine xmlns:a14="http://schemas.microsoft.com/office/drawing/2010/main" xmlns="" w="9525">
                     <a:solidFill>
                       <a:srgbClr val="000000"/>
                     </a:solidFill>
@@ -16488,7 +16488,7 @@
               </a:ln>
               <a:extLst>
                 <a:ext uri="{91240B29-F687-4f45-9708-019B960494DF}">
-                  <a14:hiddenLine xmlns="" xmlns:a14="http://schemas.microsoft.com/office/drawing/2010/main" w="9525">
+                  <a14:hiddenLine xmlns:a14="http://schemas.microsoft.com/office/drawing/2010/main" xmlns="" w="9525">
                     <a:solidFill>
                       <a:srgbClr val="000000"/>
                     </a:solidFill>
@@ -16578,7 +16578,7 @@
               </a:ln>
               <a:extLst>
                 <a:ext uri="{91240B29-F687-4f45-9708-019B960494DF}">
-                  <a14:hiddenLine xmlns="" xmlns:a14="http://schemas.microsoft.com/office/drawing/2010/main" w="9525">
+                  <a14:hiddenLine xmlns:a14="http://schemas.microsoft.com/office/drawing/2010/main" xmlns="" w="9525">
                     <a:solidFill>
                       <a:srgbClr val="000000"/>
                     </a:solidFill>
@@ -16646,7 +16646,7 @@
               </a:ln>
               <a:extLst>
                 <a:ext uri="{91240B29-F687-4f45-9708-019B960494DF}">
-                  <a14:hiddenLine xmlns="" xmlns:a14="http://schemas.microsoft.com/office/drawing/2010/main" w="9525">
+                  <a14:hiddenLine xmlns:a14="http://schemas.microsoft.com/office/drawing/2010/main" xmlns="" w="9525">
                     <a:solidFill>
                       <a:srgbClr val="000000"/>
                     </a:solidFill>
@@ -16736,7 +16736,7 @@
               </a:ln>
               <a:extLst>
                 <a:ext uri="{91240B29-F687-4f45-9708-019B960494DF}">
-                  <a14:hiddenLine xmlns="" xmlns:a14="http://schemas.microsoft.com/office/drawing/2010/main" w="9525">
+                  <a14:hiddenLine xmlns:a14="http://schemas.microsoft.com/office/drawing/2010/main" xmlns="" w="9525">
                     <a:solidFill>
                       <a:srgbClr val="000000"/>
                     </a:solidFill>
@@ -16770,7 +16770,7 @@
               </a:ln>
               <a:extLst>
                 <a:ext uri="{91240B29-F687-4f45-9708-019B960494DF}">
-                  <a14:hiddenLine xmlns="" xmlns:a14="http://schemas.microsoft.com/office/drawing/2010/main" w="9525">
+                  <a14:hiddenLine xmlns:a14="http://schemas.microsoft.com/office/drawing/2010/main" xmlns="" w="9525">
                     <a:solidFill>
                       <a:srgbClr val="000000"/>
                     </a:solidFill>
@@ -18051,7 +18051,7 @@
         <p:spPr>
           <a:xfrm>
             <a:off x="4340325" y="4880514"/>
-            <a:ext cx="6671826" cy="1569660"/>
+            <a:ext cx="7731412" cy="1569660"/>
           </a:xfrm>
           <a:prstGeom prst="rect">
             <a:avLst/>
@@ -18089,6 +18089,16 @@
           </a:p>
           <a:p>
             <a:r>
+              <a:rPr lang="es-GT" sz="3200" smtClean="0">
+                <a:solidFill>
+                  <a:schemeClr val="tx1">
+                    <a:lumMod val="95000"/>
+                  </a:schemeClr>
+                </a:solidFill>
+              </a:rPr>
+              <a:t>PROYECTO </a:t>
+            </a:r>
+            <a:r>
               <a:rPr lang="es-GT" sz="3200" dirty="0" smtClean="0">
                 <a:solidFill>
                   <a:schemeClr val="tx1">
@@ -18096,7 +18106,7 @@
                   </a:schemeClr>
                 </a:solidFill>
               </a:rPr>
-              <a:t>PRÁCTICA 1</a:t>
+              <a:t>1</a:t>
             </a:r>
             <a:endParaRPr lang="es-GT" sz="3200" dirty="0">
               <a:solidFill>
